--- a/GAM340/07/2019-20-GAM340-07-lecture.pptx
+++ b/GAM340/07/2019-20-GAM340-07-lecture.pptx
@@ -5,10 +5,10 @@
     <p:sldMasterId id="2147483648" r:id="rId1"/>
   </p:sldMasterIdLst>
   <p:notesMasterIdLst>
-    <p:notesMasterId r:id="rId21"/>
+    <p:notesMasterId r:id="rId22"/>
   </p:notesMasterIdLst>
   <p:handoutMasterIdLst>
-    <p:handoutMasterId r:id="rId22"/>
+    <p:handoutMasterId r:id="rId23"/>
   </p:handoutMasterIdLst>
   <p:sldIdLst>
     <p:sldId id="257" r:id="rId2"/>
@@ -29,7 +29,8 @@
     <p:sldId id="347" r:id="rId17"/>
     <p:sldId id="349" r:id="rId18"/>
     <p:sldId id="350" r:id="rId19"/>
-    <p:sldId id="341" r:id="rId20"/>
+    <p:sldId id="351" r:id="rId20"/>
+    <p:sldId id="341" r:id="rId21"/>
   </p:sldIdLst>
   <p:sldSz cx="9144000" cy="6858000" type="screen4x3"/>
   <p:notesSz cx="7315200" cy="9601200"/>
@@ -5168,8 +5169,8 @@
         </p:nvSpPr>
         <p:spPr>
           <a:xfrm>
-            <a:off x="457200" y="908720"/>
-            <a:ext cx="8229600" cy="5616624"/>
+            <a:off x="457200" y="548680"/>
+            <a:ext cx="8229600" cy="5976664"/>
           </a:xfrm>
         </p:spPr>
         <p:txBody>
@@ -5178,22 +5179,44 @@
           </a:bodyPr>
           <a:lstStyle/>
           <a:p>
+            <a:r>
+              <a:rPr lang="en-GB" dirty="0"/>
+              <a:t>What do you want networking to do for you?</a:t>
+            </a:r>
+          </a:p>
+          <a:p>
             <a:endParaRPr lang="en-GB" dirty="0"/>
           </a:p>
           <a:p>
-            <a:endParaRPr lang="en-GB" dirty="0"/>
-          </a:p>
-          <a:p>
-            <a:endParaRPr lang="en-GB" dirty="0"/>
-          </a:p>
-          <a:p>
-            <a:endParaRPr lang="en-GB" dirty="0"/>
-          </a:p>
-          <a:p>
+            <a:pPr lvl="1"/>
+            <a:r>
+              <a:rPr lang="en-GB" dirty="0"/>
+              <a:t>Are these relevant?</a:t>
+            </a:r>
+          </a:p>
+          <a:p>
+            <a:pPr lvl="2"/>
+            <a:r>
+              <a:rPr lang="en-GB" dirty="0"/>
+              <a:t>Having a huge database of names</a:t>
+            </a:r>
+          </a:p>
+          <a:p>
+            <a:pPr lvl="2"/>
+            <a:r>
+              <a:rPr lang="en-GB" dirty="0"/>
+              <a:t>Getting in front of people to prospect for business</a:t>
+            </a:r>
+          </a:p>
+          <a:p>
+            <a:pPr lvl="2"/>
             <a:r>
               <a:rPr lang="en-GB"/>
-              <a:t>Questions</a:t>
-            </a:r>
+              <a:t>Schmoozing and boozing</a:t>
+            </a:r>
+          </a:p>
+          <a:p>
+            <a:pPr lvl="2"/>
             <a:endParaRPr lang="en-GB" dirty="0"/>
           </a:p>
         </p:txBody>
@@ -5201,7 +5224,7 @@
     </p:spTree>
     <p:extLst>
       <p:ext uri="{BB962C8B-B14F-4D97-AF65-F5344CB8AC3E}">
-        <p14:creationId xmlns:p14="http://schemas.microsoft.com/office/powerpoint/2010/main" val="4289470150"/>
+        <p14:creationId xmlns:p14="http://schemas.microsoft.com/office/powerpoint/2010/main" val="2175587718"/>
       </p:ext>
     </p:extLst>
   </p:cSld>
@@ -5293,6 +5316,78 @@
     <p:extLst>
       <p:ext uri="{BB962C8B-B14F-4D97-AF65-F5344CB8AC3E}">
         <p14:creationId xmlns:p14="http://schemas.microsoft.com/office/powerpoint/2010/main" val="2539567761"/>
+      </p:ext>
+    </p:extLst>
+  </p:cSld>
+  <p:clrMapOvr>
+    <a:masterClrMapping/>
+  </p:clrMapOvr>
+</p:sld>
+</file>
+
+<file path=ppt/slides/slide20.xml><?xml version="1.0" encoding="utf-8"?>
+<p:sld xmlns:a="http://schemas.openxmlformats.org/drawingml/2006/main" xmlns:r="http://schemas.openxmlformats.org/officeDocument/2006/relationships" xmlns:p="http://schemas.openxmlformats.org/presentationml/2006/main">
+  <p:cSld>
+    <p:spTree>
+      <p:nvGrpSpPr>
+        <p:cNvPr id="1" name=""/>
+        <p:cNvGrpSpPr/>
+        <p:nvPr/>
+      </p:nvGrpSpPr>
+      <p:grpSpPr>
+        <a:xfrm>
+          <a:off x="0" y="0"/>
+          <a:ext cx="0" cy="0"/>
+          <a:chOff x="0" y="0"/>
+          <a:chExt cx="0" cy="0"/>
+        </a:xfrm>
+      </p:grpSpPr>
+      <p:sp>
+        <p:nvSpPr>
+          <p:cNvPr id="3" name="Content Placeholder 2"/>
+          <p:cNvSpPr>
+            <a:spLocks noGrp="1"/>
+          </p:cNvSpPr>
+          <p:nvPr>
+            <p:ph idx="1"/>
+          </p:nvPr>
+        </p:nvSpPr>
+        <p:spPr>
+          <a:xfrm>
+            <a:off x="457200" y="908720"/>
+            <a:ext cx="8229600" cy="5616624"/>
+          </a:xfrm>
+        </p:spPr>
+        <p:txBody>
+          <a:bodyPr>
+            <a:normAutofit/>
+          </a:bodyPr>
+          <a:lstStyle/>
+          <a:p>
+            <a:endParaRPr lang="en-GB" dirty="0"/>
+          </a:p>
+          <a:p>
+            <a:endParaRPr lang="en-GB" dirty="0"/>
+          </a:p>
+          <a:p>
+            <a:endParaRPr lang="en-GB" dirty="0"/>
+          </a:p>
+          <a:p>
+            <a:endParaRPr lang="en-GB" dirty="0"/>
+          </a:p>
+          <a:p>
+            <a:r>
+              <a:rPr lang="en-GB"/>
+              <a:t>Questions</a:t>
+            </a:r>
+            <a:endParaRPr lang="en-GB" dirty="0"/>
+          </a:p>
+        </p:txBody>
+      </p:sp>
+    </p:spTree>
+    <p:extLst>
+      <p:ext uri="{BB962C8B-B14F-4D97-AF65-F5344CB8AC3E}">
+        <p14:creationId xmlns:p14="http://schemas.microsoft.com/office/powerpoint/2010/main" val="4289470150"/>
       </p:ext>
     </p:extLst>
   </p:cSld>
